--- a/Documentacion/Presentacion.pptx
+++ b/Documentacion/Presentacion.pptx
@@ -12,6 +12,9 @@
     <p:sldId id="260" r:id="rId6"/>
     <p:sldId id="261" r:id="rId7"/>
     <p:sldId id="262" r:id="rId8"/>
+    <p:sldId id="266" r:id="rId9"/>
+    <p:sldId id="267" r:id="rId10"/>
+    <p:sldId id="268" r:id="rId11"/>
   </p:sldIdLst>
   <p:sldSz cx="12192000" cy="6858000"/>
   <p:notesSz cx="6858000" cy="9144000"/>
@@ -110,6 +113,11 @@
       </a:defRPr>
     </a:lvl9pPr>
   </p:defaultTextStyle>
+  <p:extLst>
+    <p:ext uri="{EFAFB233-063F-42B5-8137-9DF3F51BA10A}">
+      <p15:sldGuideLst xmlns:p15="http://schemas.microsoft.com/office/powerpoint/2012/main"/>
+    </p:ext>
+  </p:extLst>
 </p:presentation>
 </file>
 
@@ -342,7 +350,7 @@
           <a:p>
             <a:fld id="{F16070DB-335A-42F1-AEB0-6A9C0ECE6757}" type="datetimeFigureOut">
               <a:rPr lang="es-GT" smtClean="0"/>
-              <a:t>28/10/2020</a:t>
+              <a:t>30/10/2020</a:t>
             </a:fld>
             <a:endParaRPr lang="es-GT"/>
           </a:p>
@@ -676,7 +684,7 @@
           <a:p>
             <a:fld id="{F16070DB-335A-42F1-AEB0-6A9C0ECE6757}" type="datetimeFigureOut">
               <a:rPr lang="es-GT" smtClean="0"/>
-              <a:t>28/10/2020</a:t>
+              <a:t>30/10/2020</a:t>
             </a:fld>
             <a:endParaRPr lang="es-GT"/>
           </a:p>
@@ -954,7 +962,7 @@
           <a:p>
             <a:fld id="{F16070DB-335A-42F1-AEB0-6A9C0ECE6757}" type="datetimeFigureOut">
               <a:rPr lang="es-GT" smtClean="0"/>
-              <a:t>28/10/2020</a:t>
+              <a:t>30/10/2020</a:t>
             </a:fld>
             <a:endParaRPr lang="es-GT"/>
           </a:p>
@@ -1522,7 +1530,7 @@
           <a:p>
             <a:fld id="{F16070DB-335A-42F1-AEB0-6A9C0ECE6757}" type="datetimeFigureOut">
               <a:rPr lang="es-GT" smtClean="0"/>
-              <a:t>28/10/2020</a:t>
+              <a:t>30/10/2020</a:t>
             </a:fld>
             <a:endParaRPr lang="es-GT"/>
           </a:p>
@@ -1800,7 +1808,7 @@
           <a:p>
             <a:fld id="{F16070DB-335A-42F1-AEB0-6A9C0ECE6757}" type="datetimeFigureOut">
               <a:rPr lang="es-GT" smtClean="0"/>
-              <a:t>28/10/2020</a:t>
+              <a:t>30/10/2020</a:t>
             </a:fld>
             <a:endParaRPr lang="es-GT"/>
           </a:p>
@@ -2362,7 +2370,7 @@
           <a:p>
             <a:fld id="{F16070DB-335A-42F1-AEB0-6A9C0ECE6757}" type="datetimeFigureOut">
               <a:rPr lang="es-GT" smtClean="0"/>
-              <a:t>28/10/2020</a:t>
+              <a:t>30/10/2020</a:t>
             </a:fld>
             <a:endParaRPr lang="es-GT"/>
           </a:p>
@@ -2689,7 +2697,7 @@
           <a:p>
             <a:fld id="{F16070DB-335A-42F1-AEB0-6A9C0ECE6757}" type="datetimeFigureOut">
               <a:rPr lang="es-GT" smtClean="0"/>
-              <a:t>28/10/2020</a:t>
+              <a:t>30/10/2020</a:t>
             </a:fld>
             <a:endParaRPr lang="es-GT"/>
           </a:p>
@@ -2866,7 +2874,7 @@
           <a:p>
             <a:fld id="{F16070DB-335A-42F1-AEB0-6A9C0ECE6757}" type="datetimeFigureOut">
               <a:rPr lang="es-GT" smtClean="0"/>
-              <a:t>28/10/2020</a:t>
+              <a:t>30/10/2020</a:t>
             </a:fld>
             <a:endParaRPr lang="es-GT"/>
           </a:p>
@@ -3104,7 +3112,7 @@
           <a:p>
             <a:fld id="{F16070DB-335A-42F1-AEB0-6A9C0ECE6757}" type="datetimeFigureOut">
               <a:rPr lang="es-GT" smtClean="0"/>
-              <a:t>28/10/2020</a:t>
+              <a:t>30/10/2020</a:t>
             </a:fld>
             <a:endParaRPr lang="es-GT"/>
           </a:p>
@@ -3304,7 +3312,7 @@
           <a:p>
             <a:fld id="{F16070DB-335A-42F1-AEB0-6A9C0ECE6757}" type="datetimeFigureOut">
               <a:rPr lang="es-GT" smtClean="0"/>
-              <a:t>28/10/2020</a:t>
+              <a:t>30/10/2020</a:t>
             </a:fld>
             <a:endParaRPr lang="es-GT"/>
           </a:p>
@@ -3580,7 +3588,7 @@
           <a:p>
             <a:fld id="{F16070DB-335A-42F1-AEB0-6A9C0ECE6757}" type="datetimeFigureOut">
               <a:rPr lang="es-GT" smtClean="0"/>
-              <a:t>28/10/2020</a:t>
+              <a:t>30/10/2020</a:t>
             </a:fld>
             <a:endParaRPr lang="es-GT"/>
           </a:p>
@@ -3846,7 +3854,7 @@
           <a:p>
             <a:fld id="{F16070DB-335A-42F1-AEB0-6A9C0ECE6757}" type="datetimeFigureOut">
               <a:rPr lang="es-GT" smtClean="0"/>
-              <a:t>28/10/2020</a:t>
+              <a:t>30/10/2020</a:t>
             </a:fld>
             <a:endParaRPr lang="es-GT"/>
           </a:p>
@@ -4220,7 +4228,7 @@
           <a:p>
             <a:fld id="{F16070DB-335A-42F1-AEB0-6A9C0ECE6757}" type="datetimeFigureOut">
               <a:rPr lang="es-GT" smtClean="0"/>
-              <a:t>28/10/2020</a:t>
+              <a:t>30/10/2020</a:t>
             </a:fld>
             <a:endParaRPr lang="es-GT"/>
           </a:p>
@@ -4368,7 +4376,7 @@
           <a:p>
             <a:fld id="{F16070DB-335A-42F1-AEB0-6A9C0ECE6757}" type="datetimeFigureOut">
               <a:rPr lang="es-GT" smtClean="0"/>
-              <a:t>28/10/2020</a:t>
+              <a:t>30/10/2020</a:t>
             </a:fld>
             <a:endParaRPr lang="es-GT"/>
           </a:p>
@@ -4493,7 +4501,7 @@
           <a:p>
             <a:fld id="{F16070DB-335A-42F1-AEB0-6A9C0ECE6757}" type="datetimeFigureOut">
               <a:rPr lang="es-GT" smtClean="0"/>
-              <a:t>28/10/2020</a:t>
+              <a:t>30/10/2020</a:t>
             </a:fld>
             <a:endParaRPr lang="es-GT"/>
           </a:p>
@@ -4778,7 +4786,7 @@
           <a:p>
             <a:fld id="{F16070DB-335A-42F1-AEB0-6A9C0ECE6757}" type="datetimeFigureOut">
               <a:rPr lang="es-GT" smtClean="0"/>
-              <a:t>28/10/2020</a:t>
+              <a:t>30/10/2020</a:t>
             </a:fld>
             <a:endParaRPr lang="es-GT"/>
           </a:p>
@@ -5102,7 +5110,7 @@
           <a:p>
             <a:fld id="{F16070DB-335A-42F1-AEB0-6A9C0ECE6757}" type="datetimeFigureOut">
               <a:rPr lang="es-GT" smtClean="0"/>
-              <a:t>28/10/2020</a:t>
+              <a:t>30/10/2020</a:t>
             </a:fld>
             <a:endParaRPr lang="es-GT"/>
           </a:p>
@@ -5316,7 +5324,7 @@
           <a:p>
             <a:fld id="{F16070DB-335A-42F1-AEB0-6A9C0ECE6757}" type="datetimeFigureOut">
               <a:rPr lang="es-GT" smtClean="0"/>
-              <a:t>28/10/2020</a:t>
+              <a:t>30/10/2020</a:t>
             </a:fld>
             <a:endParaRPr lang="es-GT"/>
           </a:p>
@@ -5941,6 +5949,66 @@
     <p:extLst>
       <p:ext uri="{BB962C8B-B14F-4D97-AF65-F5344CB8AC3E}">
         <p14:creationId xmlns:p14="http://schemas.microsoft.com/office/powerpoint/2010/main" val="2863763077"/>
+      </p:ext>
+    </p:extLst>
+  </p:cSld>
+  <p:clrMapOvr>
+    <a:masterClrMapping/>
+  </p:clrMapOvr>
+</p:sld>
+</file>
+
+<file path=ppt/slides/slide10.xml><?xml version="1.0" encoding="utf-8"?>
+<p:sld xmlns:a="http://schemas.openxmlformats.org/drawingml/2006/main" xmlns:r="http://schemas.openxmlformats.org/officeDocument/2006/relationships" xmlns:p="http://schemas.openxmlformats.org/presentationml/2006/main">
+  <p:cSld>
+    <p:spTree>
+      <p:nvGrpSpPr>
+        <p:cNvPr id="1" name=""/>
+        <p:cNvGrpSpPr/>
+        <p:nvPr/>
+      </p:nvGrpSpPr>
+      <p:grpSpPr>
+        <a:xfrm>
+          <a:off x="0" y="0"/>
+          <a:ext cx="0" cy="0"/>
+          <a:chOff x="0" y="0"/>
+          <a:chExt cx="0" cy="0"/>
+        </a:xfrm>
+      </p:grpSpPr>
+      <p:pic>
+        <p:nvPicPr>
+          <p:cNvPr id="4" name="Imagen 3">
+            <a:extLst>
+              <a:ext uri="{FF2B5EF4-FFF2-40B4-BE49-F238E27FC236}">
+                <a16:creationId xmlns:a16="http://schemas.microsoft.com/office/drawing/2014/main" id="{3809C5A0-7879-4C18-B480-EC62632E38D5}"/>
+              </a:ext>
+            </a:extLst>
+          </p:cNvPr>
+          <p:cNvPicPr>
+            <a:picLocks noChangeAspect="1"/>
+          </p:cNvPicPr>
+          <p:nvPr/>
+        </p:nvPicPr>
+        <p:blipFill>
+          <a:blip r:embed="rId2"/>
+          <a:stretch>
+            <a:fillRect/>
+          </a:stretch>
+        </p:blipFill>
+        <p:spPr>
+          <a:xfrm>
+            <a:off x="627299" y="1736464"/>
+            <a:ext cx="10010139" cy="3385071"/>
+          </a:xfrm>
+          <a:prstGeom prst="rect">
+            <a:avLst/>
+          </a:prstGeom>
+        </p:spPr>
+      </p:pic>
+    </p:spTree>
+    <p:extLst>
+      <p:ext uri="{BB962C8B-B14F-4D97-AF65-F5344CB8AC3E}">
+        <p14:creationId xmlns:p14="http://schemas.microsoft.com/office/powerpoint/2010/main" val="2807452963"/>
       </p:ext>
     </p:extLst>
   </p:cSld>
@@ -6933,6 +7001,144 @@
 </p:sld>
 </file>
 
+<file path=ppt/slides/slide8.xml><?xml version="1.0" encoding="utf-8"?>
+<p:sld xmlns:a="http://schemas.openxmlformats.org/drawingml/2006/main" xmlns:r="http://schemas.openxmlformats.org/officeDocument/2006/relationships" xmlns:p="http://schemas.openxmlformats.org/presentationml/2006/main">
+  <p:cSld>
+    <p:spTree>
+      <p:nvGrpSpPr>
+        <p:cNvPr id="1" name=""/>
+        <p:cNvGrpSpPr/>
+        <p:nvPr/>
+      </p:nvGrpSpPr>
+      <p:grpSpPr>
+        <a:xfrm>
+          <a:off x="0" y="0"/>
+          <a:ext cx="0" cy="0"/>
+          <a:chOff x="0" y="0"/>
+          <a:chExt cx="0" cy="0"/>
+        </a:xfrm>
+      </p:grpSpPr>
+      <p:sp>
+        <p:nvSpPr>
+          <p:cNvPr id="4" name="Rectángulo 3">
+            <a:extLst>
+              <a:ext uri="{FF2B5EF4-FFF2-40B4-BE49-F238E27FC236}">
+                <a16:creationId xmlns:a16="http://schemas.microsoft.com/office/drawing/2014/main" id="{6F7B8FAE-E5AC-4BC9-A92D-B3D0ED5E0A58}"/>
+              </a:ext>
+            </a:extLst>
+          </p:cNvPr>
+          <p:cNvSpPr/>
+          <p:nvPr/>
+        </p:nvSpPr>
+        <p:spPr>
+          <a:xfrm>
+            <a:off x="1482819" y="2148470"/>
+            <a:ext cx="8161850" cy="923330"/>
+          </a:xfrm>
+          <a:prstGeom prst="rect">
+            <a:avLst/>
+          </a:prstGeom>
+          <a:noFill/>
+        </p:spPr>
+        <p:txBody>
+          <a:bodyPr wrap="none" lIns="91440" tIns="45720" rIns="91440" bIns="45720">
+            <a:spAutoFit/>
+          </a:bodyPr>
+          <a:lstStyle/>
+          <a:p>
+            <a:pPr algn="ctr"/>
+            <a:r>
+              <a:rPr lang="es-ES" sz="5400" b="0" cap="none" spc="0" dirty="0">
+                <a:ln w="0"/>
+                <a:solidFill>
+                  <a:schemeClr val="accent1"/>
+                </a:solidFill>
+                <a:effectLst>
+                  <a:outerShdw blurRad="38100" dist="25400" dir="5400000" algn="ctr" rotWithShape="0">
+                    <a:srgbClr val="6E747A">
+                      <a:alpha val="43000"/>
+                    </a:srgbClr>
+                  </a:outerShdw>
+                </a:effectLst>
+              </a:rPr>
+              <a:t>Determinante de una Matriz</a:t>
+            </a:r>
+          </a:p>
+        </p:txBody>
+      </p:sp>
+    </p:spTree>
+    <p:extLst>
+      <p:ext uri="{BB962C8B-B14F-4D97-AF65-F5344CB8AC3E}">
+        <p14:creationId xmlns:p14="http://schemas.microsoft.com/office/powerpoint/2010/main" val="3252444432"/>
+      </p:ext>
+    </p:extLst>
+  </p:cSld>
+  <p:clrMapOvr>
+    <a:masterClrMapping/>
+  </p:clrMapOvr>
+</p:sld>
+</file>
+
+<file path=ppt/slides/slide9.xml><?xml version="1.0" encoding="utf-8"?>
+<p:sld xmlns:a="http://schemas.openxmlformats.org/drawingml/2006/main" xmlns:r="http://schemas.openxmlformats.org/officeDocument/2006/relationships" xmlns:p="http://schemas.openxmlformats.org/presentationml/2006/main">
+  <p:cSld>
+    <p:spTree>
+      <p:nvGrpSpPr>
+        <p:cNvPr id="1" name=""/>
+        <p:cNvGrpSpPr/>
+        <p:nvPr/>
+      </p:nvGrpSpPr>
+      <p:grpSpPr>
+        <a:xfrm>
+          <a:off x="0" y="0"/>
+          <a:ext cx="0" cy="0"/>
+          <a:chOff x="0" y="0"/>
+          <a:chExt cx="0" cy="0"/>
+        </a:xfrm>
+      </p:grpSpPr>
+      <p:pic>
+        <p:nvPicPr>
+          <p:cNvPr id="3" name="Imagen 2">
+            <a:extLst>
+              <a:ext uri="{FF2B5EF4-FFF2-40B4-BE49-F238E27FC236}">
+                <a16:creationId xmlns:a16="http://schemas.microsoft.com/office/drawing/2014/main" id="{F95B693F-A41C-4F3A-8C5C-F27E0D50C700}"/>
+              </a:ext>
+            </a:extLst>
+          </p:cNvPr>
+          <p:cNvPicPr>
+            <a:picLocks noChangeAspect="1"/>
+          </p:cNvPicPr>
+          <p:nvPr/>
+        </p:nvPicPr>
+        <p:blipFill>
+          <a:blip r:embed="rId2"/>
+          <a:stretch>
+            <a:fillRect/>
+          </a:stretch>
+        </p:blipFill>
+        <p:spPr>
+          <a:xfrm>
+            <a:off x="1662112" y="376237"/>
+            <a:ext cx="8867775" cy="6105525"/>
+          </a:xfrm>
+          <a:prstGeom prst="rect">
+            <a:avLst/>
+          </a:prstGeom>
+        </p:spPr>
+      </p:pic>
+    </p:spTree>
+    <p:extLst>
+      <p:ext uri="{BB962C8B-B14F-4D97-AF65-F5344CB8AC3E}">
+        <p14:creationId xmlns:p14="http://schemas.microsoft.com/office/powerpoint/2010/main" val="2298800798"/>
+      </p:ext>
+    </p:extLst>
+  </p:cSld>
+  <p:clrMapOvr>
+    <a:masterClrMapping/>
+  </p:clrMapOvr>
+</p:sld>
+</file>
+
 <file path=ppt/theme/theme1.xml><?xml version="1.0" encoding="utf-8"?>
 <a:theme xmlns:a="http://schemas.openxmlformats.org/drawingml/2006/main" name="Celestial">
   <a:themeElements>
